--- a/ExStorage - Slide para aprensetação.pptx
+++ b/ExStorage - Slide para aprensetação.pptx
@@ -356,7 +356,7 @@
             <a:fld id="{B61BEF0D-F0BB-DE4B-95CE-6DB70DBA9567}" type="datetimeFigureOut">
               <a:rPr lang="en-US" dirty="0"/>
               <a:pPr/>
-              <a:t>11/19/2018</a:t>
+              <a:t>11/20/2018</a:t>
             </a:fld>
             <a:endParaRPr lang="en-US" dirty="0"/>
           </a:p>
@@ -687,7 +687,7 @@
             <a:fld id="{B61BEF0D-F0BB-DE4B-95CE-6DB70DBA9567}" type="datetimeFigureOut">
               <a:rPr lang="en-US" dirty="0"/>
               <a:pPr/>
-              <a:t>11/19/2018</a:t>
+              <a:t>11/20/2018</a:t>
             </a:fld>
             <a:endParaRPr lang="en-US" dirty="0"/>
           </a:p>
@@ -962,7 +962,7 @@
             <a:fld id="{B61BEF0D-F0BB-DE4B-95CE-6DB70DBA9567}" type="datetimeFigureOut">
               <a:rPr lang="en-US" dirty="0"/>
               <a:pPr/>
-              <a:t>11/19/2018</a:t>
+              <a:t>11/20/2018</a:t>
             </a:fld>
             <a:endParaRPr lang="en-US" dirty="0"/>
           </a:p>
@@ -1527,7 +1527,7 @@
             <a:fld id="{B61BEF0D-F0BB-DE4B-95CE-6DB70DBA9567}" type="datetimeFigureOut">
               <a:rPr lang="en-US" dirty="0"/>
               <a:pPr/>
-              <a:t>11/19/2018</a:t>
+              <a:t>11/20/2018</a:t>
             </a:fld>
             <a:endParaRPr lang="en-US" dirty="0"/>
           </a:p>
@@ -1802,7 +1802,7 @@
             <a:fld id="{B61BEF0D-F0BB-DE4B-95CE-6DB70DBA9567}" type="datetimeFigureOut">
               <a:rPr lang="en-US" dirty="0"/>
               <a:pPr/>
-              <a:t>11/19/2018</a:t>
+              <a:t>11/20/2018</a:t>
             </a:fld>
             <a:endParaRPr lang="en-US" dirty="0"/>
           </a:p>
@@ -2361,7 +2361,7 @@
             <a:fld id="{B61BEF0D-F0BB-DE4B-95CE-6DB70DBA9567}" type="datetimeFigureOut">
               <a:rPr lang="en-US" dirty="0"/>
               <a:pPr/>
-              <a:t>11/19/2018</a:t>
+              <a:t>11/20/2018</a:t>
             </a:fld>
             <a:endParaRPr lang="en-US" dirty="0"/>
           </a:p>
@@ -2685,7 +2685,7 @@
             <a:fld id="{B61BEF0D-F0BB-DE4B-95CE-6DB70DBA9567}" type="datetimeFigureOut">
               <a:rPr lang="en-US" dirty="0"/>
               <a:pPr/>
-              <a:t>11/19/2018</a:t>
+              <a:t>11/20/2018</a:t>
             </a:fld>
             <a:endParaRPr lang="en-US" dirty="0"/>
           </a:p>
@@ -2859,7 +2859,7 @@
             <a:fld id="{B61BEF0D-F0BB-DE4B-95CE-6DB70DBA9567}" type="datetimeFigureOut">
               <a:rPr lang="en-US" dirty="0"/>
               <a:pPr/>
-              <a:t>11/19/2018</a:t>
+              <a:t>11/20/2018</a:t>
             </a:fld>
             <a:endParaRPr lang="en-US" dirty="0"/>
           </a:p>
@@ -3094,7 +3094,7 @@
             <a:fld id="{B61BEF0D-F0BB-DE4B-95CE-6DB70DBA9567}" type="datetimeFigureOut">
               <a:rPr lang="en-US" dirty="0"/>
               <a:pPr/>
-              <a:t>11/19/2018</a:t>
+              <a:t>11/20/2018</a:t>
             </a:fld>
             <a:endParaRPr lang="en-US" dirty="0"/>
           </a:p>
@@ -3291,7 +3291,7 @@
             <a:fld id="{B61BEF0D-F0BB-DE4B-95CE-6DB70DBA9567}" type="datetimeFigureOut">
               <a:rPr lang="en-US" dirty="0"/>
               <a:pPr/>
-              <a:t>11/19/2018</a:t>
+              <a:t>11/20/2018</a:t>
             </a:fld>
             <a:endParaRPr lang="en-US" dirty="0"/>
           </a:p>
@@ -3564,7 +3564,7 @@
             <a:fld id="{B61BEF0D-F0BB-DE4B-95CE-6DB70DBA9567}" type="datetimeFigureOut">
               <a:rPr lang="en-US" dirty="0"/>
               <a:pPr/>
-              <a:t>11/19/2018</a:t>
+              <a:t>11/20/2018</a:t>
             </a:fld>
             <a:endParaRPr lang="en-US" dirty="0"/>
           </a:p>
@@ -3827,7 +3827,7 @@
             <a:fld id="{B61BEF0D-F0BB-DE4B-95CE-6DB70DBA9567}" type="datetimeFigureOut">
               <a:rPr lang="en-US" dirty="0"/>
               <a:pPr/>
-              <a:t>11/19/2018</a:t>
+              <a:t>11/20/2018</a:t>
             </a:fld>
             <a:endParaRPr lang="en-US" dirty="0"/>
           </a:p>
@@ -4198,7 +4198,7 @@
             <a:fld id="{B61BEF0D-F0BB-DE4B-95CE-6DB70DBA9567}" type="datetimeFigureOut">
               <a:rPr lang="en-US" dirty="0"/>
               <a:pPr/>
-              <a:t>11/19/2018</a:t>
+              <a:t>11/20/2018</a:t>
             </a:fld>
             <a:endParaRPr lang="en-US" dirty="0"/>
           </a:p>
@@ -4343,7 +4343,7 @@
             <a:fld id="{B61BEF0D-F0BB-DE4B-95CE-6DB70DBA9567}" type="datetimeFigureOut">
               <a:rPr lang="en-US" dirty="0"/>
               <a:pPr/>
-              <a:t>11/19/2018</a:t>
+              <a:t>11/20/2018</a:t>
             </a:fld>
             <a:endParaRPr lang="en-US" dirty="0"/>
           </a:p>
@@ -4465,7 +4465,7 @@
             <a:fld id="{B61BEF0D-F0BB-DE4B-95CE-6DB70DBA9567}" type="datetimeFigureOut">
               <a:rPr lang="en-US" dirty="0"/>
               <a:pPr/>
-              <a:t>11/19/2018</a:t>
+              <a:t>11/20/2018</a:t>
             </a:fld>
             <a:endParaRPr lang="en-US" dirty="0"/>
           </a:p>
@@ -4747,7 +4747,7 @@
             <a:fld id="{B61BEF0D-F0BB-DE4B-95CE-6DB70DBA9567}" type="datetimeFigureOut">
               <a:rPr lang="en-US" dirty="0"/>
               <a:pPr/>
-              <a:t>11/19/2018</a:t>
+              <a:t>11/20/2018</a:t>
             </a:fld>
             <a:endParaRPr lang="en-US" dirty="0"/>
           </a:p>
@@ -5068,7 +5068,7 @@
             <a:fld id="{B61BEF0D-F0BB-DE4B-95CE-6DB70DBA9567}" type="datetimeFigureOut">
               <a:rPr lang="en-US" dirty="0"/>
               <a:pPr/>
-              <a:t>11/19/2018</a:t>
+              <a:t>11/20/2018</a:t>
             </a:fld>
             <a:endParaRPr lang="en-US" dirty="0"/>
           </a:p>
@@ -5279,7 +5279,7 @@
             <a:fld id="{B61BEF0D-F0BB-DE4B-95CE-6DB70DBA9567}" type="datetimeFigureOut">
               <a:rPr lang="en-US" dirty="0"/>
               <a:pPr/>
-              <a:t>11/19/2018</a:t>
+              <a:t>11/20/2018</a:t>
             </a:fld>
             <a:endParaRPr lang="en-US" dirty="0"/>
           </a:p>
@@ -5839,9 +5839,12 @@
             </a:r>
             <a:r>
               <a:rPr lang="pt-BR" cap="none" dirty="0" err="1"/>
-              <a:t>Kookho</a:t>
-            </a:r>
-            <a:endParaRPr lang="pt-BR" cap="none" dirty="0"/>
+              <a:t>Kook</a:t>
+            </a:r>
+            <a:r>
+              <a:rPr lang="pt-BR" cap="none" dirty="0"/>
+              <a:t> Ho</a:t>
+            </a:r>
           </a:p>
           <a:p>
             <a:r>
@@ -7614,6 +7617,38 @@
           <a:chExt cx="0" cy="0"/>
         </a:xfrm>
       </p:grpSpPr>
+      <p:pic>
+        <p:nvPicPr>
+          <p:cNvPr id="4" name="Espaço Reservado para Conteúdo 3">
+            <a:extLst>
+              <a:ext uri="{FF2B5EF4-FFF2-40B4-BE49-F238E27FC236}">
+                <a16:creationId xmlns:a16="http://schemas.microsoft.com/office/drawing/2014/main" id="{FA803C07-D6FB-484B-B39F-FA7AE6A79769}"/>
+              </a:ext>
+            </a:extLst>
+          </p:cNvPr>
+          <p:cNvPicPr>
+            <a:picLocks noGrp="1" noChangeAspect="1"/>
+          </p:cNvPicPr>
+          <p:nvPr>
+            <p:ph idx="1"/>
+          </p:nvPr>
+        </p:nvPicPr>
+        <p:blipFill>
+          <a:blip r:embed="rId2"/>
+          <a:stretch>
+            <a:fillRect/>
+          </a:stretch>
+        </p:blipFill>
+        <p:spPr>
+          <a:xfrm>
+            <a:off x="0" y="0"/>
+            <a:ext cx="12192000" cy="6858000"/>
+          </a:xfrm>
+          <a:prstGeom prst="rect">
+            <a:avLst/>
+          </a:prstGeom>
+        </p:spPr>
+      </p:pic>
       <p:sp>
         <p:nvSpPr>
           <p:cNvPr id="2" name="Título 1">
@@ -7630,40 +7665,29 @@
             <p:ph type="title"/>
           </p:nvPr>
         </p:nvSpPr>
-        <p:spPr/>
-        <p:txBody>
-          <a:bodyPr/>
-          <a:lstStyle/>
-          <a:p>
-            <a:r>
-              <a:rPr lang="pt-BR" dirty="0"/>
+        <p:spPr>
+          <a:xfrm>
+            <a:off x="7148121" y="0"/>
+            <a:ext cx="5043879" cy="1456267"/>
+          </a:xfrm>
+        </p:spPr>
+        <p:txBody>
+          <a:bodyPr>
+            <a:normAutofit/>
+          </a:bodyPr>
+          <a:lstStyle/>
+          <a:p>
+            <a:pPr algn="r"/>
+            <a:r>
+              <a:rPr lang="pt-BR" sz="2800" dirty="0">
+                <a:solidFill>
+                  <a:schemeClr val="accent2">
+                    <a:lumMod val="75000"/>
+                  </a:schemeClr>
+                </a:solidFill>
+              </a:rPr>
               <a:t>Diagrama de classes</a:t>
             </a:r>
-          </a:p>
-        </p:txBody>
-      </p:sp>
-      <p:sp>
-        <p:nvSpPr>
-          <p:cNvPr id="3" name="Espaço Reservado para Conteúdo 2">
-            <a:extLst>
-              <a:ext uri="{FF2B5EF4-FFF2-40B4-BE49-F238E27FC236}">
-                <a16:creationId xmlns:a16="http://schemas.microsoft.com/office/drawing/2014/main" id="{CF911CB1-87F8-486B-B9A5-DEBF61EFE3C4}"/>
-              </a:ext>
-            </a:extLst>
-          </p:cNvPr>
-          <p:cNvSpPr>
-            <a:spLocks noGrp="1"/>
-          </p:cNvSpPr>
-          <p:nvPr>
-            <p:ph idx="1"/>
-          </p:nvPr>
-        </p:nvSpPr>
-        <p:spPr/>
-        <p:txBody>
-          <a:bodyPr/>
-          <a:lstStyle/>
-          <a:p>
-            <a:endParaRPr lang="pt-BR" dirty="0"/>
           </a:p>
         </p:txBody>
       </p:sp>

--- a/ExStorage - Slide para aprensetação.pptx
+++ b/ExStorage - Slide para aprensetação.pptx
@@ -7691,6 +7691,36 @@
           </a:p>
         </p:txBody>
       </p:sp>
+      <p:pic>
+        <p:nvPicPr>
+          <p:cNvPr id="5" name="Espaço Reservado para Conteúdo 4">
+            <a:extLst>
+              <a:ext uri="{FF2B5EF4-FFF2-40B4-BE49-F238E27FC236}">
+                <a16:creationId xmlns:a16="http://schemas.microsoft.com/office/drawing/2014/main" id="{B4C16280-1040-4C0C-881C-A238F842CE45}"/>
+              </a:ext>
+            </a:extLst>
+          </p:cNvPr>
+          <p:cNvPicPr>
+            <a:picLocks noChangeAspect="1"/>
+          </p:cNvPicPr>
+          <p:nvPr/>
+        </p:nvPicPr>
+        <p:blipFill>
+          <a:blip r:embed="rId3"/>
+          <a:stretch>
+            <a:fillRect/>
+          </a:stretch>
+        </p:blipFill>
+        <p:spPr>
+          <a:xfrm>
+            <a:off x="75880" y="6224631"/>
+            <a:ext cx="2265029" cy="566257"/>
+          </a:xfrm>
+          <a:prstGeom prst="rect">
+            <a:avLst/>
+          </a:prstGeom>
+        </p:spPr>
+      </p:pic>
     </p:spTree>
     <p:extLst>
       <p:ext uri="{BB962C8B-B14F-4D97-AF65-F5344CB8AC3E}">
